--- a/06.Reference/02.Training/Business Requirements from Agile methodology tool.pptx
+++ b/06.Reference/02.Training/Business Requirements from Agile methodology tool.pptx
@@ -103,7 +103,7 @@
           <a:bodyPr bIns="0" lIns="0" rIns="0" tIns="0" wrap="none"/>
           <a:p>
             <a:r>
-              <a:rPr lang="en-CA"/>
+              <a:rPr lang="en-CA" sz="1400"/>
               <a:t>&lt;header&gt;</a:t>
             </a:r>
             <a:endParaRPr/>
@@ -134,7 +134,7 @@
           <a:p>
             <a:pPr algn="r"/>
             <a:r>
-              <a:rPr lang="en-CA"/>
+              <a:rPr lang="en-CA" sz="1400"/>
               <a:t>&lt;date/time&gt;</a:t>
             </a:r>
             <a:endParaRPr/>
@@ -164,7 +164,7 @@
           <a:bodyPr anchor="b" bIns="0" lIns="0" rIns="0" tIns="0" wrap="none"/>
           <a:p>
             <a:r>
-              <a:rPr lang="en-CA"/>
+              <a:rPr lang="en-CA" sz="1400"/>
               <a:t>&lt;footer&gt;</a:t>
             </a:r>
             <a:endParaRPr/>
@@ -194,8 +194,8 @@
           <a:bodyPr anchor="b" bIns="0" lIns="0" rIns="0" tIns="0" wrap="none"/>
           <a:p>
             <a:pPr algn="r"/>
-            <a:fld id="{41117161-0161-4181-91E1-21F1819121B1}" type="slidenum">
-              <a:rPr lang="en-CA"/>
+            <a:fld id="{61517161-F151-4121-A1A1-B101818151C1}" type="slidenum">
+              <a:rPr lang="en-CA" sz="1400"/>
               <a:t>&lt;number&gt;</a:t>
             </a:fld>
             <a:endParaRPr/>
@@ -238,7 +238,7 @@
         <p:spPr>
           <a:xfrm>
             <a:off x="0" y="0"/>
-            <a:ext cx="-11796840" cy="-11796840"/>
+            <a:ext cx="360" cy="360"/>
           </a:xfrm>
           <a:prstGeom prst="rect">
             <a:avLst/>
@@ -260,7 +260,7 @@
         <p:spPr>
           <a:xfrm>
             <a:off x="0" y="0"/>
-            <a:ext cx="-11796840" cy="-11796840"/>
+            <a:ext cx="360" cy="360"/>
           </a:xfrm>
           <a:prstGeom prst="rect">
             <a:avLst/>
@@ -274,7 +274,7 @@
                 <a:spcPct val="100000"/>
               </a:lnSpc>
             </a:pPr>
-            <a:fld id="{61415131-81A1-41A1-81D1-51A161219181}" type="slidenum">
+            <a:fld id="{E16111B1-B1B1-41D1-91D1-21A1C1510191}" type="slidenum">
               <a:rPr lang="en-CA">
                 <a:solidFill>
                   <a:srgbClr val="000000"/>
@@ -323,7 +323,7 @@
         <p:spPr>
           <a:xfrm>
             <a:off x="0" y="0"/>
-            <a:ext cx="-11796840" cy="-11796840"/>
+            <a:ext cx="360" cy="360"/>
           </a:xfrm>
           <a:prstGeom prst="rect">
             <a:avLst/>
@@ -345,7 +345,7 @@
         <p:spPr>
           <a:xfrm>
             <a:off x="0" y="0"/>
-            <a:ext cx="-11796840" cy="-11796840"/>
+            <a:ext cx="360" cy="360"/>
           </a:xfrm>
           <a:prstGeom prst="rect">
             <a:avLst/>
@@ -359,7 +359,7 @@
                 <a:spcPct val="100000"/>
               </a:lnSpc>
             </a:pPr>
-            <a:fld id="{2191E151-2141-41D1-8131-51C1D101E111}" type="slidenum">
+            <a:fld id="{F151F1E1-51A1-4111-A191-819131313161}" type="slidenum">
               <a:rPr lang="en-CA">
                 <a:solidFill>
                   <a:srgbClr val="000000"/>
@@ -408,7 +408,7 @@
         <p:spPr>
           <a:xfrm>
             <a:off x="0" y="0"/>
-            <a:ext cx="-11796840" cy="-11796840"/>
+            <a:ext cx="360" cy="360"/>
           </a:xfrm>
           <a:prstGeom prst="rect">
             <a:avLst/>
@@ -433,7 +433,7 @@
         <p:spPr>
           <a:xfrm>
             <a:off x="0" y="0"/>
-            <a:ext cx="-11796840" cy="-11796840"/>
+            <a:ext cx="360" cy="360"/>
           </a:xfrm>
           <a:prstGeom prst="rect">
             <a:avLst/>
@@ -447,7 +447,7 @@
                 <a:spcPct val="100000"/>
               </a:lnSpc>
             </a:pPr>
-            <a:fld id="{D1517121-E191-4101-A161-91B161015181}" type="slidenum">
+            <a:fld id="{6131D131-D1F1-41A1-B161-B1F1D191A1D1}" type="slidenum">
               <a:rPr lang="en-CA">
                 <a:solidFill>
                   <a:srgbClr val="000000"/>
@@ -496,7 +496,7 @@
         <p:spPr>
           <a:xfrm>
             <a:off x="0" y="0"/>
-            <a:ext cx="-11796840" cy="-11796840"/>
+            <a:ext cx="360" cy="360"/>
           </a:xfrm>
           <a:prstGeom prst="rect">
             <a:avLst/>
@@ -518,7 +518,7 @@
         <p:spPr>
           <a:xfrm>
             <a:off x="0" y="0"/>
-            <a:ext cx="-11796840" cy="-11796840"/>
+            <a:ext cx="360" cy="360"/>
           </a:xfrm>
           <a:prstGeom prst="rect">
             <a:avLst/>
@@ -532,7 +532,7 @@
                 <a:spcPct val="100000"/>
               </a:lnSpc>
             </a:pPr>
-            <a:fld id="{E1C1E131-B1B1-41E1-8101-C141E131D181}" type="slidenum">
+            <a:fld id="{6171F131-5161-4181-A111-E151A191E141}" type="slidenum">
               <a:rPr lang="en-CA">
                 <a:solidFill>
                   <a:srgbClr val="000000"/>
@@ -581,7 +581,7 @@
         <p:spPr>
           <a:xfrm>
             <a:off x="0" y="0"/>
-            <a:ext cx="-11796840" cy="-11796840"/>
+            <a:ext cx="360" cy="360"/>
           </a:xfrm>
           <a:prstGeom prst="rect">
             <a:avLst/>
@@ -603,7 +603,7 @@
         <p:spPr>
           <a:xfrm>
             <a:off x="0" y="0"/>
-            <a:ext cx="-11796840" cy="-11796840"/>
+            <a:ext cx="360" cy="360"/>
           </a:xfrm>
           <a:prstGeom prst="rect">
             <a:avLst/>
@@ -617,7 +617,7 @@
                 <a:spcPct val="100000"/>
               </a:lnSpc>
             </a:pPr>
-            <a:fld id="{F1214111-5191-4191-8141-0131E1A191A1}" type="slidenum">
+            <a:fld id="{C13111F1-3131-4101-91C1-E1C111B1D1D1}" type="slidenum">
               <a:rPr lang="en-CA">
                 <a:solidFill>
                   <a:srgbClr val="000000"/>
@@ -666,7 +666,7 @@
         <p:spPr>
           <a:xfrm>
             <a:off x="0" y="0"/>
-            <a:ext cx="-11796840" cy="-11796840"/>
+            <a:ext cx="360" cy="360"/>
           </a:xfrm>
           <a:prstGeom prst="rect">
             <a:avLst/>
@@ -691,7 +691,7 @@
         <p:spPr>
           <a:xfrm>
             <a:off x="0" y="0"/>
-            <a:ext cx="-11796840" cy="-11796840"/>
+            <a:ext cx="360" cy="360"/>
           </a:xfrm>
           <a:prstGeom prst="rect">
             <a:avLst/>
@@ -705,7 +705,7 @@
                 <a:spcPct val="100000"/>
               </a:lnSpc>
             </a:pPr>
-            <a:fld id="{3171E1A1-9100-41A1-9191-D121B111B1F1}" type="slidenum">
+            <a:fld id="{D1E10111-1141-41F1-9151-41F1017131D1}" type="slidenum">
               <a:rPr lang="en-CA">
                 <a:solidFill>
                   <a:srgbClr val="000000"/>
@@ -754,7 +754,7 @@
         <p:spPr>
           <a:xfrm>
             <a:off x="0" y="0"/>
-            <a:ext cx="-11796840" cy="-11796840"/>
+            <a:ext cx="360" cy="360"/>
           </a:xfrm>
           <a:prstGeom prst="rect">
             <a:avLst/>
@@ -779,7 +779,7 @@
         <p:spPr>
           <a:xfrm>
             <a:off x="0" y="0"/>
-            <a:ext cx="-11796840" cy="-11796840"/>
+            <a:ext cx="360" cy="360"/>
           </a:xfrm>
           <a:prstGeom prst="rect">
             <a:avLst/>
@@ -793,7 +793,7 @@
                 <a:spcPct val="100000"/>
               </a:lnSpc>
             </a:pPr>
-            <a:fld id="{F13171F1-6151-41C1-9161-81B1A18151F1}" type="slidenum">
+            <a:fld id="{214191B1-0161-4101-8141-219111618131}" type="slidenum">
               <a:rPr lang="en-CA">
                 <a:solidFill>
                   <a:srgbClr val="000000"/>
@@ -842,7 +842,7 @@
         <p:spPr>
           <a:xfrm>
             <a:off x="0" y="0"/>
-            <a:ext cx="-11796840" cy="-11796840"/>
+            <a:ext cx="360" cy="360"/>
           </a:xfrm>
           <a:prstGeom prst="rect">
             <a:avLst/>
@@ -864,7 +864,7 @@
         <p:spPr>
           <a:xfrm>
             <a:off x="0" y="0"/>
-            <a:ext cx="-11796840" cy="-11796840"/>
+            <a:ext cx="360" cy="360"/>
           </a:xfrm>
           <a:prstGeom prst="rect">
             <a:avLst/>
@@ -878,7 +878,7 @@
                 <a:spcPct val="100000"/>
               </a:lnSpc>
             </a:pPr>
-            <a:fld id="{21C1D131-A100-4151-91B1-71E191616171}" type="slidenum">
+            <a:fld id="{C1D14131-8111-4151-A1D1-F121C1010171}" type="slidenum">
               <a:rPr lang="en-CA">
                 <a:solidFill>
                   <a:srgbClr val="000000"/>
@@ -927,7 +927,7 @@
         <p:spPr>
           <a:xfrm>
             <a:off x="0" y="0"/>
-            <a:ext cx="-11796840" cy="-11796840"/>
+            <a:ext cx="360" cy="360"/>
           </a:xfrm>
           <a:prstGeom prst="rect">
             <a:avLst/>
@@ -949,7 +949,7 @@
         <p:spPr>
           <a:xfrm>
             <a:off x="0" y="0"/>
-            <a:ext cx="-11796840" cy="-11796840"/>
+            <a:ext cx="360" cy="360"/>
           </a:xfrm>
           <a:prstGeom prst="rect">
             <a:avLst/>
@@ -963,7 +963,7 @@
                 <a:spcPct val="100000"/>
               </a:lnSpc>
             </a:pPr>
-            <a:fld id="{C1214121-01B1-41C1-91E1-C1D1B1E121D1}" type="slidenum">
+            <a:fld id="{31D1F131-0181-4131-B1B1-31E1316151C1}" type="slidenum">
               <a:rPr lang="en-CA">
                 <a:solidFill>
                   <a:srgbClr val="000000"/>
@@ -1012,7 +1012,7 @@
         <p:spPr>
           <a:xfrm>
             <a:off x="0" y="0"/>
-            <a:ext cx="-11796840" cy="-11796840"/>
+            <a:ext cx="360" cy="360"/>
           </a:xfrm>
           <a:prstGeom prst="rect">
             <a:avLst/>
@@ -1034,7 +1034,7 @@
         <p:spPr>
           <a:xfrm>
             <a:off x="0" y="0"/>
-            <a:ext cx="-11796840" cy="-11796840"/>
+            <a:ext cx="360" cy="360"/>
           </a:xfrm>
           <a:prstGeom prst="rect">
             <a:avLst/>
@@ -1048,7 +1048,7 @@
                 <a:spcPct val="100000"/>
               </a:lnSpc>
             </a:pPr>
-            <a:fld id="{F1F171E1-3131-4121-9111-F1411111C1C1}" type="slidenum">
+            <a:fld id="{F1914171-91F1-4191-9101-E141A1E151C1}" type="slidenum">
               <a:rPr lang="en-CA">
                 <a:solidFill>
                   <a:srgbClr val="000000"/>
@@ -1145,7 +1145,7 @@
         <p:spPr>
           <a:xfrm>
             <a:off x="457200" y="1203480"/>
-            <a:ext cx="8046360" cy="1422360"/>
+            <a:ext cx="8046360" cy="1422720"/>
           </a:xfrm>
           <a:prstGeom prst="rect">
             <a:avLst/>
@@ -1170,8 +1170,8 @@
         </p:nvSpPr>
         <p:spPr>
           <a:xfrm>
-            <a:off x="457200" y="2761200"/>
-            <a:ext cx="8046360" cy="1422360"/>
+            <a:off x="457200" y="2761560"/>
+            <a:ext cx="8046360" cy="1422720"/>
           </a:xfrm>
           <a:prstGeom prst="rect">
             <a:avLst/>
@@ -1245,7 +1245,7 @@
         <p:spPr>
           <a:xfrm>
             <a:off x="457200" y="1203480"/>
-            <a:ext cx="3926160" cy="1422360"/>
+            <a:ext cx="3926160" cy="1422720"/>
           </a:xfrm>
           <a:prstGeom prst="rect">
             <a:avLst/>
@@ -1271,7 +1271,7 @@
         <p:spPr>
           <a:xfrm>
             <a:off x="4579920" y="1203480"/>
-            <a:ext cx="3926160" cy="1422360"/>
+            <a:ext cx="3926160" cy="1422720"/>
           </a:xfrm>
           <a:prstGeom prst="rect">
             <a:avLst/>
@@ -1296,8 +1296,8 @@
         </p:nvSpPr>
         <p:spPr>
           <a:xfrm>
-            <a:off x="4579920" y="2761200"/>
-            <a:ext cx="3926160" cy="1422360"/>
+            <a:off x="4579920" y="2761560"/>
+            <a:ext cx="3926160" cy="1422720"/>
           </a:xfrm>
           <a:prstGeom prst="rect">
             <a:avLst/>
@@ -1322,8 +1322,8 @@
         </p:nvSpPr>
         <p:spPr>
           <a:xfrm>
-            <a:off x="457200" y="2761200"/>
-            <a:ext cx="3926160" cy="1422360"/>
+            <a:off x="457200" y="2761560"/>
+            <a:ext cx="3926160" cy="1422720"/>
           </a:xfrm>
           <a:prstGeom prst="rect">
             <a:avLst/>
@@ -1397,7 +1397,7 @@
         <p:spPr>
           <a:xfrm>
             <a:off x="457200" y="1203480"/>
-            <a:ext cx="3926160" cy="1422360"/>
+            <a:ext cx="3926160" cy="1422720"/>
           </a:xfrm>
           <a:prstGeom prst="rect">
             <a:avLst/>
@@ -1423,7 +1423,7 @@
         <p:spPr>
           <a:xfrm>
             <a:off x="4579920" y="1203480"/>
-            <a:ext cx="3926160" cy="1422360"/>
+            <a:ext cx="3926160" cy="1422720"/>
           </a:xfrm>
           <a:prstGeom prst="rect">
             <a:avLst/>
@@ -1519,7 +1519,7 @@
         <p:spPr>
           <a:xfrm>
             <a:off x="457200" y="1203480"/>
-            <a:ext cx="8046360" cy="2983320"/>
+            <a:ext cx="8046360" cy="2983680"/>
           </a:xfrm>
           <a:prstGeom prst="rect">
             <a:avLst/>
@@ -1594,7 +1594,7 @@
         <p:spPr>
           <a:xfrm>
             <a:off x="457200" y="1203480"/>
-            <a:ext cx="8046360" cy="2982960"/>
+            <a:ext cx="8046360" cy="2983320"/>
           </a:xfrm>
           <a:prstGeom prst="rect">
             <a:avLst/>
@@ -1668,7 +1668,7 @@
         <p:spPr>
           <a:xfrm>
             <a:off x="457200" y="1203480"/>
-            <a:ext cx="3926160" cy="2982960"/>
+            <a:ext cx="3926160" cy="2983320"/>
           </a:xfrm>
           <a:prstGeom prst="rect">
             <a:avLst/>
@@ -1694,7 +1694,7 @@
         <p:spPr>
           <a:xfrm>
             <a:off x="4579920" y="1203480"/>
-            <a:ext cx="3926160" cy="2982960"/>
+            <a:ext cx="3926160" cy="2983320"/>
           </a:xfrm>
           <a:prstGeom prst="rect">
             <a:avLst/>
@@ -1790,7 +1790,7 @@
         <p:spPr>
           <a:xfrm>
             <a:off x="329040" y="238320"/>
-            <a:ext cx="7221960" cy="3948120"/>
+            <a:ext cx="7221960" cy="3948480"/>
           </a:xfrm>
           <a:prstGeom prst="rect">
             <a:avLst/>
@@ -1865,7 +1865,7 @@
         <p:spPr>
           <a:xfrm>
             <a:off x="457200" y="1203480"/>
-            <a:ext cx="3926160" cy="1422360"/>
+            <a:ext cx="3926160" cy="1422720"/>
           </a:xfrm>
           <a:prstGeom prst="rect">
             <a:avLst/>
@@ -1890,8 +1890,8 @@
         </p:nvSpPr>
         <p:spPr>
           <a:xfrm>
-            <a:off x="457200" y="2761200"/>
-            <a:ext cx="3926160" cy="1422360"/>
+            <a:off x="457200" y="2761560"/>
+            <a:ext cx="3926160" cy="1422720"/>
           </a:xfrm>
           <a:prstGeom prst="rect">
             <a:avLst/>
@@ -1917,7 +1917,7 @@
         <p:spPr>
           <a:xfrm>
             <a:off x="4579920" y="1203480"/>
-            <a:ext cx="3926160" cy="2982960"/>
+            <a:ext cx="3926160" cy="2983320"/>
           </a:xfrm>
           <a:prstGeom prst="rect">
             <a:avLst/>
@@ -1991,7 +1991,7 @@
         <p:spPr>
           <a:xfrm>
             <a:off x="457200" y="1203480"/>
-            <a:ext cx="8046360" cy="2983320"/>
+            <a:ext cx="8046360" cy="2983680"/>
           </a:xfrm>
           <a:prstGeom prst="rect">
             <a:avLst/>
@@ -2066,7 +2066,7 @@
         <p:spPr>
           <a:xfrm>
             <a:off x="457200" y="1203480"/>
-            <a:ext cx="3926160" cy="2982960"/>
+            <a:ext cx="3926160" cy="2983320"/>
           </a:xfrm>
           <a:prstGeom prst="rect">
             <a:avLst/>
@@ -2092,7 +2092,7 @@
         <p:spPr>
           <a:xfrm>
             <a:off x="4579920" y="1203480"/>
-            <a:ext cx="3926160" cy="1422360"/>
+            <a:ext cx="3926160" cy="1422720"/>
           </a:xfrm>
           <a:prstGeom prst="rect">
             <a:avLst/>
@@ -2117,8 +2117,8 @@
         </p:nvSpPr>
         <p:spPr>
           <a:xfrm>
-            <a:off x="4579920" y="2761200"/>
-            <a:ext cx="3926160" cy="1422360"/>
+            <a:off x="4579920" y="2761560"/>
+            <a:ext cx="3926160" cy="1422720"/>
           </a:xfrm>
           <a:prstGeom prst="rect">
             <a:avLst/>
@@ -2192,7 +2192,7 @@
         <p:spPr>
           <a:xfrm>
             <a:off x="457200" y="1203480"/>
-            <a:ext cx="3926160" cy="1422360"/>
+            <a:ext cx="3926160" cy="1422720"/>
           </a:xfrm>
           <a:prstGeom prst="rect">
             <a:avLst/>
@@ -2218,7 +2218,7 @@
         <p:spPr>
           <a:xfrm>
             <a:off x="4579920" y="1203480"/>
-            <a:ext cx="3926160" cy="1422360"/>
+            <a:ext cx="3926160" cy="1422720"/>
           </a:xfrm>
           <a:prstGeom prst="rect">
             <a:avLst/>
@@ -2243,8 +2243,8 @@
         </p:nvSpPr>
         <p:spPr>
           <a:xfrm>
-            <a:off x="457200" y="2761200"/>
-            <a:ext cx="8045640" cy="1422360"/>
+            <a:off x="457200" y="2761560"/>
+            <a:ext cx="8045640" cy="1422720"/>
           </a:xfrm>
           <a:prstGeom prst="rect">
             <a:avLst/>
@@ -2318,7 +2318,7 @@
         <p:spPr>
           <a:xfrm>
             <a:off x="457200" y="1203480"/>
-            <a:ext cx="8046360" cy="1422360"/>
+            <a:ext cx="8046360" cy="1422720"/>
           </a:xfrm>
           <a:prstGeom prst="rect">
             <a:avLst/>
@@ -2343,8 +2343,8 @@
         </p:nvSpPr>
         <p:spPr>
           <a:xfrm>
-            <a:off x="457200" y="2761200"/>
-            <a:ext cx="8046360" cy="1422360"/>
+            <a:off x="457200" y="2761560"/>
+            <a:ext cx="8046360" cy="1422720"/>
           </a:xfrm>
           <a:prstGeom prst="rect">
             <a:avLst/>
@@ -2418,7 +2418,7 @@
         <p:spPr>
           <a:xfrm>
             <a:off x="457200" y="1203480"/>
-            <a:ext cx="3926160" cy="1422360"/>
+            <a:ext cx="3926160" cy="1422720"/>
           </a:xfrm>
           <a:prstGeom prst="rect">
             <a:avLst/>
@@ -2444,7 +2444,7 @@
         <p:spPr>
           <a:xfrm>
             <a:off x="4579920" y="1203480"/>
-            <a:ext cx="3926160" cy="1422360"/>
+            <a:ext cx="3926160" cy="1422720"/>
           </a:xfrm>
           <a:prstGeom prst="rect">
             <a:avLst/>
@@ -2469,8 +2469,8 @@
         </p:nvSpPr>
         <p:spPr>
           <a:xfrm>
-            <a:off x="4579920" y="2761200"/>
-            <a:ext cx="3926160" cy="1422360"/>
+            <a:off x="4579920" y="2761560"/>
+            <a:ext cx="3926160" cy="1422720"/>
           </a:xfrm>
           <a:prstGeom prst="rect">
             <a:avLst/>
@@ -2495,8 +2495,8 @@
         </p:nvSpPr>
         <p:spPr>
           <a:xfrm>
-            <a:off x="457200" y="2761200"/>
-            <a:ext cx="3926160" cy="1422360"/>
+            <a:off x="457200" y="2761560"/>
+            <a:ext cx="3926160" cy="1422720"/>
           </a:xfrm>
           <a:prstGeom prst="rect">
             <a:avLst/>
@@ -2570,7 +2570,7 @@
         <p:spPr>
           <a:xfrm>
             <a:off x="457200" y="1203480"/>
-            <a:ext cx="3926160" cy="1422360"/>
+            <a:ext cx="3926160" cy="1422720"/>
           </a:xfrm>
           <a:prstGeom prst="rect">
             <a:avLst/>
@@ -2596,7 +2596,7 @@
         <p:spPr>
           <a:xfrm>
             <a:off x="4579920" y="1203480"/>
-            <a:ext cx="3926160" cy="1422360"/>
+            <a:ext cx="3926160" cy="1422720"/>
           </a:xfrm>
           <a:prstGeom prst="rect">
             <a:avLst/>
@@ -2692,7 +2692,7 @@
         <p:spPr>
           <a:xfrm>
             <a:off x="457200" y="1203480"/>
-            <a:ext cx="8046360" cy="2983320"/>
+            <a:ext cx="8046360" cy="2983680"/>
           </a:xfrm>
           <a:prstGeom prst="rect">
             <a:avLst/>
@@ -2767,7 +2767,7 @@
         <p:spPr>
           <a:xfrm>
             <a:off x="457200" y="1203480"/>
-            <a:ext cx="8046360" cy="2982960"/>
+            <a:ext cx="8046360" cy="2983320"/>
           </a:xfrm>
           <a:prstGeom prst="rect">
             <a:avLst/>
@@ -2841,7 +2841,7 @@
         <p:spPr>
           <a:xfrm>
             <a:off x="457200" y="1203480"/>
-            <a:ext cx="3926160" cy="2982960"/>
+            <a:ext cx="3926160" cy="2983320"/>
           </a:xfrm>
           <a:prstGeom prst="rect">
             <a:avLst/>
@@ -2867,7 +2867,7 @@
         <p:spPr>
           <a:xfrm>
             <a:off x="4579920" y="1203480"/>
-            <a:ext cx="3926160" cy="2982960"/>
+            <a:ext cx="3926160" cy="2983320"/>
           </a:xfrm>
           <a:prstGeom prst="rect">
             <a:avLst/>
@@ -2989,7 +2989,7 @@
         <p:spPr>
           <a:xfrm>
             <a:off x="457200" y="1203480"/>
-            <a:ext cx="8046360" cy="2982960"/>
+            <a:ext cx="8046360" cy="2983320"/>
           </a:xfrm>
           <a:prstGeom prst="rect">
             <a:avLst/>
@@ -3037,7 +3037,7 @@
         <p:spPr>
           <a:xfrm>
             <a:off x="329040" y="238320"/>
-            <a:ext cx="7221960" cy="3948120"/>
+            <a:ext cx="7221960" cy="3948480"/>
           </a:xfrm>
           <a:prstGeom prst="rect">
             <a:avLst/>
@@ -3112,7 +3112,7 @@
         <p:spPr>
           <a:xfrm>
             <a:off x="457200" y="1203480"/>
-            <a:ext cx="3926160" cy="1422360"/>
+            <a:ext cx="3926160" cy="1422720"/>
           </a:xfrm>
           <a:prstGeom prst="rect">
             <a:avLst/>
@@ -3137,8 +3137,8 @@
         </p:nvSpPr>
         <p:spPr>
           <a:xfrm>
-            <a:off x="457200" y="2761200"/>
-            <a:ext cx="3926160" cy="1422360"/>
+            <a:off x="457200" y="2761560"/>
+            <a:ext cx="3926160" cy="1422720"/>
           </a:xfrm>
           <a:prstGeom prst="rect">
             <a:avLst/>
@@ -3164,7 +3164,7 @@
         <p:spPr>
           <a:xfrm>
             <a:off x="4579920" y="1203480"/>
-            <a:ext cx="3926160" cy="2982960"/>
+            <a:ext cx="3926160" cy="2983320"/>
           </a:xfrm>
           <a:prstGeom prst="rect">
             <a:avLst/>
@@ -3238,7 +3238,7 @@
         <p:spPr>
           <a:xfrm>
             <a:off x="457200" y="1203480"/>
-            <a:ext cx="3926160" cy="2982960"/>
+            <a:ext cx="3926160" cy="2983320"/>
           </a:xfrm>
           <a:prstGeom prst="rect">
             <a:avLst/>
@@ -3264,7 +3264,7 @@
         <p:spPr>
           <a:xfrm>
             <a:off x="4579920" y="1203480"/>
-            <a:ext cx="3926160" cy="1422360"/>
+            <a:ext cx="3926160" cy="1422720"/>
           </a:xfrm>
           <a:prstGeom prst="rect">
             <a:avLst/>
@@ -3289,8 +3289,8 @@
         </p:nvSpPr>
         <p:spPr>
           <a:xfrm>
-            <a:off x="4579920" y="2761200"/>
-            <a:ext cx="3926160" cy="1422360"/>
+            <a:off x="4579920" y="2761560"/>
+            <a:ext cx="3926160" cy="1422720"/>
           </a:xfrm>
           <a:prstGeom prst="rect">
             <a:avLst/>
@@ -3364,7 +3364,7 @@
         <p:spPr>
           <a:xfrm>
             <a:off x="457200" y="1203480"/>
-            <a:ext cx="3926160" cy="1422360"/>
+            <a:ext cx="3926160" cy="1422720"/>
           </a:xfrm>
           <a:prstGeom prst="rect">
             <a:avLst/>
@@ -3390,7 +3390,7 @@
         <p:spPr>
           <a:xfrm>
             <a:off x="4579920" y="1203480"/>
-            <a:ext cx="3926160" cy="1422360"/>
+            <a:ext cx="3926160" cy="1422720"/>
           </a:xfrm>
           <a:prstGeom prst="rect">
             <a:avLst/>
@@ -3415,8 +3415,8 @@
         </p:nvSpPr>
         <p:spPr>
           <a:xfrm>
-            <a:off x="457200" y="2761200"/>
-            <a:ext cx="8045640" cy="1422360"/>
+            <a:off x="457200" y="2761560"/>
+            <a:ext cx="8045640" cy="1422720"/>
           </a:xfrm>
           <a:prstGeom prst="rect">
             <a:avLst/>
@@ -3490,7 +3490,7 @@
         <p:spPr>
           <a:xfrm>
             <a:off x="457200" y="1203480"/>
-            <a:ext cx="8046360" cy="1422360"/>
+            <a:ext cx="8046360" cy="1422720"/>
           </a:xfrm>
           <a:prstGeom prst="rect">
             <a:avLst/>
@@ -3515,8 +3515,8 @@
         </p:nvSpPr>
         <p:spPr>
           <a:xfrm>
-            <a:off x="457200" y="2761200"/>
-            <a:ext cx="8046360" cy="1422360"/>
+            <a:off x="457200" y="2761560"/>
+            <a:ext cx="8046360" cy="1422720"/>
           </a:xfrm>
           <a:prstGeom prst="rect">
             <a:avLst/>
@@ -3590,7 +3590,7 @@
         <p:spPr>
           <a:xfrm>
             <a:off x="457200" y="1203480"/>
-            <a:ext cx="3926160" cy="1422360"/>
+            <a:ext cx="3926160" cy="1422720"/>
           </a:xfrm>
           <a:prstGeom prst="rect">
             <a:avLst/>
@@ -3616,7 +3616,7 @@
         <p:spPr>
           <a:xfrm>
             <a:off x="4579920" y="1203480"/>
-            <a:ext cx="3926160" cy="1422360"/>
+            <a:ext cx="3926160" cy="1422720"/>
           </a:xfrm>
           <a:prstGeom prst="rect">
             <a:avLst/>
@@ -3641,8 +3641,8 @@
         </p:nvSpPr>
         <p:spPr>
           <a:xfrm>
-            <a:off x="4579920" y="2761200"/>
-            <a:ext cx="3926160" cy="1422360"/>
+            <a:off x="4579920" y="2761560"/>
+            <a:ext cx="3926160" cy="1422720"/>
           </a:xfrm>
           <a:prstGeom prst="rect">
             <a:avLst/>
@@ -3667,8 +3667,8 @@
         </p:nvSpPr>
         <p:spPr>
           <a:xfrm>
-            <a:off x="457200" y="2761200"/>
-            <a:ext cx="3926160" cy="1422360"/>
+            <a:off x="457200" y="2761560"/>
+            <a:ext cx="3926160" cy="1422720"/>
           </a:xfrm>
           <a:prstGeom prst="rect">
             <a:avLst/>
@@ -3742,7 +3742,7 @@
         <p:spPr>
           <a:xfrm>
             <a:off x="457200" y="1203480"/>
-            <a:ext cx="3926160" cy="1422360"/>
+            <a:ext cx="3926160" cy="1422720"/>
           </a:xfrm>
           <a:prstGeom prst="rect">
             <a:avLst/>
@@ -3768,7 +3768,7 @@
         <p:spPr>
           <a:xfrm>
             <a:off x="4579920" y="1203480"/>
-            <a:ext cx="3926160" cy="1422360"/>
+            <a:ext cx="3926160" cy="1422720"/>
           </a:xfrm>
           <a:prstGeom prst="rect">
             <a:avLst/>
@@ -3864,7 +3864,7 @@
         <p:spPr>
           <a:xfrm>
             <a:off x="457200" y="1203480"/>
-            <a:ext cx="8046360" cy="2983320"/>
+            <a:ext cx="8046360" cy="2983680"/>
           </a:xfrm>
           <a:prstGeom prst="rect">
             <a:avLst/>
@@ -3939,7 +3939,7 @@
         <p:spPr>
           <a:xfrm>
             <a:off x="457200" y="1203480"/>
-            <a:ext cx="8046360" cy="2982960"/>
+            <a:ext cx="8046360" cy="2983320"/>
           </a:xfrm>
           <a:prstGeom prst="rect">
             <a:avLst/>
@@ -4013,7 +4013,7 @@
         <p:spPr>
           <a:xfrm>
             <a:off x="457200" y="1203480"/>
-            <a:ext cx="3926160" cy="2982960"/>
+            <a:ext cx="3926160" cy="2983320"/>
           </a:xfrm>
           <a:prstGeom prst="rect">
             <a:avLst/>
@@ -4039,7 +4039,7 @@
         <p:spPr>
           <a:xfrm>
             <a:off x="4579920" y="1203480"/>
-            <a:ext cx="3926160" cy="2982960"/>
+            <a:ext cx="3926160" cy="2983320"/>
           </a:xfrm>
           <a:prstGeom prst="rect">
             <a:avLst/>
@@ -4113,7 +4113,7 @@
         <p:spPr>
           <a:xfrm>
             <a:off x="457200" y="1203480"/>
-            <a:ext cx="3926160" cy="2982960"/>
+            <a:ext cx="3926160" cy="2983320"/>
           </a:xfrm>
           <a:prstGeom prst="rect">
             <a:avLst/>
@@ -4139,7 +4139,7 @@
         <p:spPr>
           <a:xfrm>
             <a:off x="4579920" y="1203480"/>
-            <a:ext cx="3926160" cy="2982960"/>
+            <a:ext cx="3926160" cy="2983320"/>
           </a:xfrm>
           <a:prstGeom prst="rect">
             <a:avLst/>
@@ -4235,7 +4235,7 @@
         <p:spPr>
           <a:xfrm>
             <a:off x="329040" y="238320"/>
-            <a:ext cx="7221960" cy="3948120"/>
+            <a:ext cx="7221960" cy="3948480"/>
           </a:xfrm>
           <a:prstGeom prst="rect">
             <a:avLst/>
@@ -4310,7 +4310,7 @@
         <p:spPr>
           <a:xfrm>
             <a:off x="457200" y="1203480"/>
-            <a:ext cx="3926160" cy="1422360"/>
+            <a:ext cx="3926160" cy="1422720"/>
           </a:xfrm>
           <a:prstGeom prst="rect">
             <a:avLst/>
@@ -4335,8 +4335,8 @@
         </p:nvSpPr>
         <p:spPr>
           <a:xfrm>
-            <a:off x="457200" y="2761200"/>
-            <a:ext cx="3926160" cy="1422360"/>
+            <a:off x="457200" y="2761560"/>
+            <a:ext cx="3926160" cy="1422720"/>
           </a:xfrm>
           <a:prstGeom prst="rect">
             <a:avLst/>
@@ -4362,7 +4362,7 @@
         <p:spPr>
           <a:xfrm>
             <a:off x="4579920" y="1203480"/>
-            <a:ext cx="3926160" cy="2982960"/>
+            <a:ext cx="3926160" cy="2983320"/>
           </a:xfrm>
           <a:prstGeom prst="rect">
             <a:avLst/>
@@ -4436,7 +4436,7 @@
         <p:spPr>
           <a:xfrm>
             <a:off x="457200" y="1203480"/>
-            <a:ext cx="3926160" cy="2982960"/>
+            <a:ext cx="3926160" cy="2983320"/>
           </a:xfrm>
           <a:prstGeom prst="rect">
             <a:avLst/>
@@ -4462,7 +4462,7 @@
         <p:spPr>
           <a:xfrm>
             <a:off x="4579920" y="1203480"/>
-            <a:ext cx="3926160" cy="1422360"/>
+            <a:ext cx="3926160" cy="1422720"/>
           </a:xfrm>
           <a:prstGeom prst="rect">
             <a:avLst/>
@@ -4487,8 +4487,8 @@
         </p:nvSpPr>
         <p:spPr>
           <a:xfrm>
-            <a:off x="4579920" y="2761200"/>
-            <a:ext cx="3926160" cy="1422360"/>
+            <a:off x="4579920" y="2761560"/>
+            <a:ext cx="3926160" cy="1422720"/>
           </a:xfrm>
           <a:prstGeom prst="rect">
             <a:avLst/>
@@ -4562,7 +4562,7 @@
         <p:spPr>
           <a:xfrm>
             <a:off x="457200" y="1203480"/>
-            <a:ext cx="3926160" cy="1422360"/>
+            <a:ext cx="3926160" cy="1422720"/>
           </a:xfrm>
           <a:prstGeom prst="rect">
             <a:avLst/>
@@ -4588,7 +4588,7 @@
         <p:spPr>
           <a:xfrm>
             <a:off x="4579920" y="1203480"/>
-            <a:ext cx="3926160" cy="1422360"/>
+            <a:ext cx="3926160" cy="1422720"/>
           </a:xfrm>
           <a:prstGeom prst="rect">
             <a:avLst/>
@@ -4613,8 +4613,8 @@
         </p:nvSpPr>
         <p:spPr>
           <a:xfrm>
-            <a:off x="457200" y="2761200"/>
-            <a:ext cx="8045640" cy="1422360"/>
+            <a:off x="457200" y="2761560"/>
+            <a:ext cx="8045640" cy="1422720"/>
           </a:xfrm>
           <a:prstGeom prst="rect">
             <a:avLst/>
@@ -4688,7 +4688,7 @@
         <p:spPr>
           <a:xfrm>
             <a:off x="457200" y="1203480"/>
-            <a:ext cx="8046360" cy="1422360"/>
+            <a:ext cx="8046360" cy="1422720"/>
           </a:xfrm>
           <a:prstGeom prst="rect">
             <a:avLst/>
@@ -4713,8 +4713,8 @@
         </p:nvSpPr>
         <p:spPr>
           <a:xfrm>
-            <a:off x="457200" y="2761200"/>
-            <a:ext cx="8046360" cy="1422360"/>
+            <a:off x="457200" y="2761560"/>
+            <a:ext cx="8046360" cy="1422720"/>
           </a:xfrm>
           <a:prstGeom prst="rect">
             <a:avLst/>
@@ -4788,7 +4788,7 @@
         <p:spPr>
           <a:xfrm>
             <a:off x="457200" y="1203480"/>
-            <a:ext cx="3926160" cy="1422360"/>
+            <a:ext cx="3926160" cy="1422720"/>
           </a:xfrm>
           <a:prstGeom prst="rect">
             <a:avLst/>
@@ -4814,7 +4814,7 @@
         <p:spPr>
           <a:xfrm>
             <a:off x="4579920" y="1203480"/>
-            <a:ext cx="3926160" cy="1422360"/>
+            <a:ext cx="3926160" cy="1422720"/>
           </a:xfrm>
           <a:prstGeom prst="rect">
             <a:avLst/>
@@ -4839,8 +4839,8 @@
         </p:nvSpPr>
         <p:spPr>
           <a:xfrm>
-            <a:off x="4579920" y="2761200"/>
-            <a:ext cx="3926160" cy="1422360"/>
+            <a:off x="4579920" y="2761560"/>
+            <a:ext cx="3926160" cy="1422720"/>
           </a:xfrm>
           <a:prstGeom prst="rect">
             <a:avLst/>
@@ -4865,8 +4865,8 @@
         </p:nvSpPr>
         <p:spPr>
           <a:xfrm>
-            <a:off x="457200" y="2761200"/>
-            <a:ext cx="3926160" cy="1422360"/>
+            <a:off x="457200" y="2761560"/>
+            <a:ext cx="3926160" cy="1422720"/>
           </a:xfrm>
           <a:prstGeom prst="rect">
             <a:avLst/>
@@ -4940,7 +4940,7 @@
         <p:spPr>
           <a:xfrm>
             <a:off x="457200" y="1203480"/>
-            <a:ext cx="3926160" cy="1422360"/>
+            <a:ext cx="3926160" cy="1422720"/>
           </a:xfrm>
           <a:prstGeom prst="rect">
             <a:avLst/>
@@ -4966,7 +4966,7 @@
         <p:spPr>
           <a:xfrm>
             <a:off x="4579920" y="1203480"/>
-            <a:ext cx="3926160" cy="1422360"/>
+            <a:ext cx="3926160" cy="1422720"/>
           </a:xfrm>
           <a:prstGeom prst="rect">
             <a:avLst/>
@@ -5110,7 +5110,7 @@
         <p:spPr>
           <a:xfrm>
             <a:off x="457200" y="1203480"/>
-            <a:ext cx="8046360" cy="2983320"/>
+            <a:ext cx="8046360" cy="2983680"/>
           </a:xfrm>
           <a:prstGeom prst="rect">
             <a:avLst/>
@@ -5185,7 +5185,7 @@
         <p:spPr>
           <a:xfrm>
             <a:off x="457200" y="1203480"/>
-            <a:ext cx="8046360" cy="2982960"/>
+            <a:ext cx="8046360" cy="2983320"/>
           </a:xfrm>
           <a:prstGeom prst="rect">
             <a:avLst/>
@@ -5259,7 +5259,7 @@
         <p:spPr>
           <a:xfrm>
             <a:off x="457200" y="1203480"/>
-            <a:ext cx="3926160" cy="2982960"/>
+            <a:ext cx="3926160" cy="2983320"/>
           </a:xfrm>
           <a:prstGeom prst="rect">
             <a:avLst/>
@@ -5285,7 +5285,7 @@
         <p:spPr>
           <a:xfrm>
             <a:off x="4579920" y="1203480"/>
-            <a:ext cx="3926160" cy="2982960"/>
+            <a:ext cx="3926160" cy="2983320"/>
           </a:xfrm>
           <a:prstGeom prst="rect">
             <a:avLst/>
@@ -5381,7 +5381,7 @@
         <p:spPr>
           <a:xfrm>
             <a:off x="329040" y="238320"/>
-            <a:ext cx="7221960" cy="3948120"/>
+            <a:ext cx="7221960" cy="3948480"/>
           </a:xfrm>
           <a:prstGeom prst="rect">
             <a:avLst/>
@@ -5456,7 +5456,7 @@
         <p:spPr>
           <a:xfrm>
             <a:off x="457200" y="1203480"/>
-            <a:ext cx="3926160" cy="1422360"/>
+            <a:ext cx="3926160" cy="1422720"/>
           </a:xfrm>
           <a:prstGeom prst="rect">
             <a:avLst/>
@@ -5481,8 +5481,8 @@
         </p:nvSpPr>
         <p:spPr>
           <a:xfrm>
-            <a:off x="457200" y="2761200"/>
-            <a:ext cx="3926160" cy="1422360"/>
+            <a:off x="457200" y="2761560"/>
+            <a:ext cx="3926160" cy="1422720"/>
           </a:xfrm>
           <a:prstGeom prst="rect">
             <a:avLst/>
@@ -5508,7 +5508,7 @@
         <p:spPr>
           <a:xfrm>
             <a:off x="4579920" y="1203480"/>
-            <a:ext cx="3926160" cy="2982960"/>
+            <a:ext cx="3926160" cy="2983320"/>
           </a:xfrm>
           <a:prstGeom prst="rect">
             <a:avLst/>
@@ -5582,7 +5582,7 @@
         <p:spPr>
           <a:xfrm>
             <a:off x="457200" y="1203480"/>
-            <a:ext cx="3926160" cy="2982960"/>
+            <a:ext cx="3926160" cy="2983320"/>
           </a:xfrm>
           <a:prstGeom prst="rect">
             <a:avLst/>
@@ -5608,7 +5608,7 @@
         <p:spPr>
           <a:xfrm>
             <a:off x="4579920" y="1203480"/>
-            <a:ext cx="3926160" cy="1422360"/>
+            <a:ext cx="3926160" cy="1422720"/>
           </a:xfrm>
           <a:prstGeom prst="rect">
             <a:avLst/>
@@ -5633,8 +5633,8 @@
         </p:nvSpPr>
         <p:spPr>
           <a:xfrm>
-            <a:off x="4579920" y="2761200"/>
-            <a:ext cx="3926160" cy="1422360"/>
+            <a:off x="4579920" y="2761560"/>
+            <a:ext cx="3926160" cy="1422720"/>
           </a:xfrm>
           <a:prstGeom prst="rect">
             <a:avLst/>
@@ -5708,7 +5708,7 @@
         <p:spPr>
           <a:xfrm>
             <a:off x="457200" y="1203480"/>
-            <a:ext cx="3926160" cy="1422360"/>
+            <a:ext cx="3926160" cy="1422720"/>
           </a:xfrm>
           <a:prstGeom prst="rect">
             <a:avLst/>
@@ -5734,7 +5734,7 @@
         <p:spPr>
           <a:xfrm>
             <a:off x="4579920" y="1203480"/>
-            <a:ext cx="3926160" cy="1422360"/>
+            <a:ext cx="3926160" cy="1422720"/>
           </a:xfrm>
           <a:prstGeom prst="rect">
             <a:avLst/>
@@ -5759,8 +5759,8 @@
         </p:nvSpPr>
         <p:spPr>
           <a:xfrm>
-            <a:off x="457200" y="2761200"/>
-            <a:ext cx="8045640" cy="1422360"/>
+            <a:off x="457200" y="2761560"/>
+            <a:ext cx="8045640" cy="1422720"/>
           </a:xfrm>
           <a:prstGeom prst="rect">
             <a:avLst/>
@@ -5834,7 +5834,7 @@
         <p:spPr>
           <a:xfrm>
             <a:off x="457200" y="1203480"/>
-            <a:ext cx="8046360" cy="1422360"/>
+            <a:ext cx="8046360" cy="1422720"/>
           </a:xfrm>
           <a:prstGeom prst="rect">
             <a:avLst/>
@@ -5859,8 +5859,8 @@
         </p:nvSpPr>
         <p:spPr>
           <a:xfrm>
-            <a:off x="457200" y="2761200"/>
-            <a:ext cx="8046360" cy="1422360"/>
+            <a:off x="457200" y="2761560"/>
+            <a:ext cx="8046360" cy="1422720"/>
           </a:xfrm>
           <a:prstGeom prst="rect">
             <a:avLst/>
@@ -5934,7 +5934,7 @@
         <p:spPr>
           <a:xfrm>
             <a:off x="457200" y="1203480"/>
-            <a:ext cx="3926160" cy="1422360"/>
+            <a:ext cx="3926160" cy="1422720"/>
           </a:xfrm>
           <a:prstGeom prst="rect">
             <a:avLst/>
@@ -5960,7 +5960,7 @@
         <p:spPr>
           <a:xfrm>
             <a:off x="4579920" y="1203480"/>
-            <a:ext cx="3926160" cy="1422360"/>
+            <a:ext cx="3926160" cy="1422720"/>
           </a:xfrm>
           <a:prstGeom prst="rect">
             <a:avLst/>
@@ -5985,8 +5985,8 @@
         </p:nvSpPr>
         <p:spPr>
           <a:xfrm>
-            <a:off x="4579920" y="2761200"/>
-            <a:ext cx="3926160" cy="1422360"/>
+            <a:off x="4579920" y="2761560"/>
+            <a:ext cx="3926160" cy="1422720"/>
           </a:xfrm>
           <a:prstGeom prst="rect">
             <a:avLst/>
@@ -6011,8 +6011,8 @@
         </p:nvSpPr>
         <p:spPr>
           <a:xfrm>
-            <a:off x="457200" y="2761200"/>
-            <a:ext cx="3926160" cy="1422360"/>
+            <a:off x="457200" y="2761560"/>
+            <a:ext cx="3926160" cy="1422720"/>
           </a:xfrm>
           <a:prstGeom prst="rect">
             <a:avLst/>
@@ -6060,7 +6060,7 @@
         <p:spPr>
           <a:xfrm>
             <a:off x="329040" y="238320"/>
-            <a:ext cx="7221960" cy="3948120"/>
+            <a:ext cx="7221960" cy="3948480"/>
           </a:xfrm>
           <a:prstGeom prst="rect">
             <a:avLst/>
@@ -6135,7 +6135,7 @@
         <p:spPr>
           <a:xfrm>
             <a:off x="457200" y="1203480"/>
-            <a:ext cx="3926160" cy="1422360"/>
+            <a:ext cx="3926160" cy="1422720"/>
           </a:xfrm>
           <a:prstGeom prst="rect">
             <a:avLst/>
@@ -6161,7 +6161,7 @@
         <p:spPr>
           <a:xfrm>
             <a:off x="4579920" y="1203480"/>
-            <a:ext cx="3926160" cy="1422360"/>
+            <a:ext cx="3926160" cy="1422720"/>
           </a:xfrm>
           <a:prstGeom prst="rect">
             <a:avLst/>
@@ -6257,7 +6257,7 @@
         <p:spPr>
           <a:xfrm>
             <a:off x="457200" y="1203480"/>
-            <a:ext cx="8046360" cy="2983320"/>
+            <a:ext cx="8046360" cy="2983680"/>
           </a:xfrm>
           <a:prstGeom prst="rect">
             <a:avLst/>
@@ -6332,7 +6332,7 @@
         <p:spPr>
           <a:xfrm>
             <a:off x="457200" y="1203480"/>
-            <a:ext cx="8046360" cy="2982960"/>
+            <a:ext cx="8046360" cy="2983320"/>
           </a:xfrm>
           <a:prstGeom prst="rect">
             <a:avLst/>
@@ -6406,7 +6406,7 @@
         <p:spPr>
           <a:xfrm>
             <a:off x="457200" y="1203480"/>
-            <a:ext cx="3926160" cy="2982960"/>
+            <a:ext cx="3926160" cy="2983320"/>
           </a:xfrm>
           <a:prstGeom prst="rect">
             <a:avLst/>
@@ -6432,7 +6432,7 @@
         <p:spPr>
           <a:xfrm>
             <a:off x="4579920" y="1203480"/>
-            <a:ext cx="3926160" cy="2982960"/>
+            <a:ext cx="3926160" cy="2983320"/>
           </a:xfrm>
           <a:prstGeom prst="rect">
             <a:avLst/>
@@ -6528,7 +6528,7 @@
         <p:spPr>
           <a:xfrm>
             <a:off x="329040" y="238320"/>
-            <a:ext cx="7221960" cy="3948120"/>
+            <a:ext cx="7221960" cy="3948480"/>
           </a:xfrm>
           <a:prstGeom prst="rect">
             <a:avLst/>
@@ -6603,7 +6603,7 @@
         <p:spPr>
           <a:xfrm>
             <a:off x="457200" y="1203480"/>
-            <a:ext cx="3926160" cy="1422360"/>
+            <a:ext cx="3926160" cy="1422720"/>
           </a:xfrm>
           <a:prstGeom prst="rect">
             <a:avLst/>
@@ -6628,8 +6628,8 @@
         </p:nvSpPr>
         <p:spPr>
           <a:xfrm>
-            <a:off x="457200" y="2761200"/>
-            <a:ext cx="3926160" cy="1422360"/>
+            <a:off x="457200" y="2761560"/>
+            <a:ext cx="3926160" cy="1422720"/>
           </a:xfrm>
           <a:prstGeom prst="rect">
             <a:avLst/>
@@ -6655,7 +6655,7 @@
         <p:spPr>
           <a:xfrm>
             <a:off x="4579920" y="1203480"/>
-            <a:ext cx="3926160" cy="2982960"/>
+            <a:ext cx="3926160" cy="2983320"/>
           </a:xfrm>
           <a:prstGeom prst="rect">
             <a:avLst/>
@@ -6729,7 +6729,7 @@
         <p:spPr>
           <a:xfrm>
             <a:off x="457200" y="1203480"/>
-            <a:ext cx="3926160" cy="2982960"/>
+            <a:ext cx="3926160" cy="2983320"/>
           </a:xfrm>
           <a:prstGeom prst="rect">
             <a:avLst/>
@@ -6755,7 +6755,7 @@
         <p:spPr>
           <a:xfrm>
             <a:off x="4579920" y="1203480"/>
-            <a:ext cx="3926160" cy="1422360"/>
+            <a:ext cx="3926160" cy="1422720"/>
           </a:xfrm>
           <a:prstGeom prst="rect">
             <a:avLst/>
@@ -6780,8 +6780,8 @@
         </p:nvSpPr>
         <p:spPr>
           <a:xfrm>
-            <a:off x="4579920" y="2761200"/>
-            <a:ext cx="3926160" cy="1422360"/>
+            <a:off x="4579920" y="2761560"/>
+            <a:ext cx="3926160" cy="1422720"/>
           </a:xfrm>
           <a:prstGeom prst="rect">
             <a:avLst/>
@@ -6855,7 +6855,7 @@
         <p:spPr>
           <a:xfrm>
             <a:off x="457200" y="1203480"/>
-            <a:ext cx="3926160" cy="1422360"/>
+            <a:ext cx="3926160" cy="1422720"/>
           </a:xfrm>
           <a:prstGeom prst="rect">
             <a:avLst/>
@@ -6881,7 +6881,7 @@
         <p:spPr>
           <a:xfrm>
             <a:off x="4579920" y="1203480"/>
-            <a:ext cx="3926160" cy="1422360"/>
+            <a:ext cx="3926160" cy="1422720"/>
           </a:xfrm>
           <a:prstGeom prst="rect">
             <a:avLst/>
@@ -6906,8 +6906,8 @@
         </p:nvSpPr>
         <p:spPr>
           <a:xfrm>
-            <a:off x="457200" y="2761200"/>
-            <a:ext cx="8045640" cy="1422360"/>
+            <a:off x="457200" y="2761560"/>
+            <a:ext cx="8045640" cy="1422720"/>
           </a:xfrm>
           <a:prstGeom prst="rect">
             <a:avLst/>
@@ -6981,7 +6981,7 @@
         <p:spPr>
           <a:xfrm>
             <a:off x="457200" y="1203480"/>
-            <a:ext cx="3926160" cy="1422360"/>
+            <a:ext cx="3926160" cy="1422720"/>
           </a:xfrm>
           <a:prstGeom prst="rect">
             <a:avLst/>
@@ -7006,8 +7006,8 @@
         </p:nvSpPr>
         <p:spPr>
           <a:xfrm>
-            <a:off x="457200" y="2761200"/>
-            <a:ext cx="3926160" cy="1422360"/>
+            <a:off x="457200" y="2761560"/>
+            <a:ext cx="3926160" cy="1422720"/>
           </a:xfrm>
           <a:prstGeom prst="rect">
             <a:avLst/>
@@ -7033,7 +7033,7 @@
         <p:spPr>
           <a:xfrm>
             <a:off x="4579920" y="1203480"/>
-            <a:ext cx="3926160" cy="2982960"/>
+            <a:ext cx="3926160" cy="2983320"/>
           </a:xfrm>
           <a:prstGeom prst="rect">
             <a:avLst/>
@@ -7107,7 +7107,7 @@
         <p:spPr>
           <a:xfrm>
             <a:off x="457200" y="1203480"/>
-            <a:ext cx="8046360" cy="1422360"/>
+            <a:ext cx="8046360" cy="1422720"/>
           </a:xfrm>
           <a:prstGeom prst="rect">
             <a:avLst/>
@@ -7132,8 +7132,8 @@
         </p:nvSpPr>
         <p:spPr>
           <a:xfrm>
-            <a:off x="457200" y="2761200"/>
-            <a:ext cx="8046360" cy="1422360"/>
+            <a:off x="457200" y="2761560"/>
+            <a:ext cx="8046360" cy="1422720"/>
           </a:xfrm>
           <a:prstGeom prst="rect">
             <a:avLst/>
@@ -7207,7 +7207,7 @@
         <p:spPr>
           <a:xfrm>
             <a:off x="457200" y="1203480"/>
-            <a:ext cx="3926160" cy="1422360"/>
+            <a:ext cx="3926160" cy="1422720"/>
           </a:xfrm>
           <a:prstGeom prst="rect">
             <a:avLst/>
@@ -7233,7 +7233,7 @@
         <p:spPr>
           <a:xfrm>
             <a:off x="4579920" y="1203480"/>
-            <a:ext cx="3926160" cy="1422360"/>
+            <a:ext cx="3926160" cy="1422720"/>
           </a:xfrm>
           <a:prstGeom prst="rect">
             <a:avLst/>
@@ -7258,8 +7258,8 @@
         </p:nvSpPr>
         <p:spPr>
           <a:xfrm>
-            <a:off x="4579920" y="2761200"/>
-            <a:ext cx="3926160" cy="1422360"/>
+            <a:off x="4579920" y="2761560"/>
+            <a:ext cx="3926160" cy="1422720"/>
           </a:xfrm>
           <a:prstGeom prst="rect">
             <a:avLst/>
@@ -7284,8 +7284,8 @@
         </p:nvSpPr>
         <p:spPr>
           <a:xfrm>
-            <a:off x="457200" y="2761200"/>
-            <a:ext cx="3926160" cy="1422360"/>
+            <a:off x="457200" y="2761560"/>
+            <a:ext cx="3926160" cy="1422720"/>
           </a:xfrm>
           <a:prstGeom prst="rect">
             <a:avLst/>
@@ -7359,7 +7359,7 @@
         <p:spPr>
           <a:xfrm>
             <a:off x="457200" y="1203480"/>
-            <a:ext cx="3926160" cy="1422360"/>
+            <a:ext cx="3926160" cy="1422720"/>
           </a:xfrm>
           <a:prstGeom prst="rect">
             <a:avLst/>
@@ -7385,7 +7385,7 @@
         <p:spPr>
           <a:xfrm>
             <a:off x="4579920" y="1203480"/>
-            <a:ext cx="3926160" cy="1422360"/>
+            <a:ext cx="3926160" cy="1422720"/>
           </a:xfrm>
           <a:prstGeom prst="rect">
             <a:avLst/>
@@ -7459,7 +7459,7 @@
         <p:spPr>
           <a:xfrm>
             <a:off x="457200" y="1203480"/>
-            <a:ext cx="3926160" cy="2982960"/>
+            <a:ext cx="3926160" cy="2983320"/>
           </a:xfrm>
           <a:prstGeom prst="rect">
             <a:avLst/>
@@ -7485,7 +7485,7 @@
         <p:spPr>
           <a:xfrm>
             <a:off x="4579920" y="1203480"/>
-            <a:ext cx="3926160" cy="1422360"/>
+            <a:ext cx="3926160" cy="1422720"/>
           </a:xfrm>
           <a:prstGeom prst="rect">
             <a:avLst/>
@@ -7510,8 +7510,8 @@
         </p:nvSpPr>
         <p:spPr>
           <a:xfrm>
-            <a:off x="4579920" y="2761200"/>
-            <a:ext cx="3926160" cy="1422360"/>
+            <a:off x="4579920" y="2761560"/>
+            <a:ext cx="3926160" cy="1422720"/>
           </a:xfrm>
           <a:prstGeom prst="rect">
             <a:avLst/>
@@ -7585,7 +7585,7 @@
         <p:spPr>
           <a:xfrm>
             <a:off x="457200" y="1203480"/>
-            <a:ext cx="3926160" cy="1422360"/>
+            <a:ext cx="3926160" cy="1422720"/>
           </a:xfrm>
           <a:prstGeom prst="rect">
             <a:avLst/>
@@ -7611,7 +7611,7 @@
         <p:spPr>
           <a:xfrm>
             <a:off x="4579920" y="1203480"/>
-            <a:ext cx="3926160" cy="1422360"/>
+            <a:ext cx="3926160" cy="1422720"/>
           </a:xfrm>
           <a:prstGeom prst="rect">
             <a:avLst/>
@@ -7636,8 +7636,8 @@
         </p:nvSpPr>
         <p:spPr>
           <a:xfrm>
-            <a:off x="457200" y="2761200"/>
-            <a:ext cx="8045640" cy="1422360"/>
+            <a:off x="457200" y="2761560"/>
+            <a:ext cx="8045640" cy="1422720"/>
           </a:xfrm>
           <a:prstGeom prst="rect">
             <a:avLst/>
@@ -7738,7 +7738,7 @@
                 <a:spcPct val="100000"/>
               </a:lnSpc>
             </a:pPr>
-            <a:fld id="{01B1A1A1-C1A1-41E1-8111-B1E11161F141}" type="slidenum">
+            <a:fld id="{11D131C1-9121-4111-B151-0191713151C1}" type="slidenum">
               <a:rPr lang="en-CA" sz="700">
                 <a:solidFill>
                   <a:srgbClr val="b9b8bb"/>
@@ -7903,7 +7903,7 @@
         <p:spPr>
           <a:xfrm>
             <a:off x="457200" y="1203480"/>
-            <a:ext cx="8046360" cy="2982960"/>
+            <a:ext cx="8046360" cy="2983320"/>
           </a:xfrm>
           <a:prstGeom prst="rect">
             <a:avLst/>
@@ -8100,7 +8100,7 @@
                 <a:spcPct val="100000"/>
               </a:lnSpc>
             </a:pPr>
-            <a:fld id="{6171E171-D1A1-4171-8111-A19181E18131}" type="slidenum">
+            <a:fld id="{41E131C1-D1B1-41C1-9151-117131F16181}" type="slidenum">
               <a:rPr lang="en-CA" sz="700">
                 <a:solidFill>
                   <a:srgbClr val="b9b8bb"/>
@@ -8284,7 +8284,7 @@
         <p:spPr>
           <a:xfrm>
             <a:off x="457200" y="1203480"/>
-            <a:ext cx="8046360" cy="2982960"/>
+            <a:ext cx="8046360" cy="2983320"/>
           </a:xfrm>
           <a:prstGeom prst="rect">
             <a:avLst/>
@@ -8481,7 +8481,7 @@
                 <a:spcPct val="100000"/>
               </a:lnSpc>
             </a:pPr>
-            <a:fld id="{01C15151-5171-4141-9161-0111F1910191}" type="slidenum">
+            <a:fld id="{E1C1C151-4151-41F1-8111-B1911111A1F1}" type="slidenum">
               <a:rPr lang="en-CA" sz="700">
                 <a:solidFill>
                   <a:srgbClr val="b9b8bb"/>
@@ -8665,7 +8665,7 @@
         <p:spPr>
           <a:xfrm>
             <a:off x="457200" y="1203480"/>
-            <a:ext cx="8046360" cy="2982960"/>
+            <a:ext cx="8046360" cy="2983320"/>
           </a:xfrm>
           <a:prstGeom prst="rect">
             <a:avLst/>
@@ -8862,7 +8862,7 @@
                 <a:spcPct val="100000"/>
               </a:lnSpc>
             </a:pPr>
-            <a:fld id="{C1D101E1-E111-4141-A151-1111214111B1}" type="slidenum">
+            <a:fld id="{E1119131-4151-41E1-A181-A1D151813141}" type="slidenum">
               <a:rPr lang="en-CA" sz="700">
                 <a:solidFill>
                   <a:srgbClr val="b9b8bb"/>
@@ -8950,7 +8950,7 @@
         <p:spPr>
           <a:xfrm>
             <a:off x="457200" y="1203480"/>
-            <a:ext cx="8046360" cy="2982960"/>
+            <a:ext cx="8046360" cy="2983320"/>
           </a:xfrm>
           <a:prstGeom prst="rect">
             <a:avLst/>
@@ -9147,7 +9147,7 @@
                 <a:spcPct val="100000"/>
               </a:lnSpc>
             </a:pPr>
-            <a:fld id="{91F1A1F1-E100-4191-B171-B1F1A1211111}" type="slidenum">
+            <a:fld id="{00415181-0181-4141-B1A1-31F171A1A101}" type="slidenum">
               <a:rPr lang="en-CA" sz="700">
                 <a:solidFill>
                   <a:srgbClr val="b9b8bb"/>
@@ -9376,8 +9376,8 @@
           </a:p>
           <a:p>
             <a:pPr lvl="1">
-              <a:buFont typeface="Lucida Grande"/>
-              <a:buChar char="–"/>
+              <a:buFont typeface="StarSymbol"/>
+              <a:buChar char=""/>
             </a:pPr>
             <a:r>
               <a:rPr lang="en-US" sz="1400">
@@ -9528,7 +9528,7 @@
                 <a:spcPct val="100000"/>
               </a:lnSpc>
             </a:pPr>
-            <a:fld id="{61F10161-21B1-4121-8151-61713151A1A1}" type="slidenum">
+            <a:fld id="{11719181-7161-41A1-A1F1-A19151F1A101}" type="slidenum">
               <a:rPr lang="en-CA" sz="700">
                 <a:solidFill>
                   <a:srgbClr val="b9b8bb"/>
@@ -9712,7 +9712,7 @@
         <p:spPr>
           <a:xfrm>
             <a:off x="457200" y="1203480"/>
-            <a:ext cx="8046360" cy="2982960"/>
+            <a:ext cx="8046360" cy="2983320"/>
           </a:xfrm>
           <a:prstGeom prst="rect">
             <a:avLst/>
@@ -10235,7 +10235,7 @@
         </p:nvGraphicFramePr>
         <p:xfrm>
           <a:off x="519480" y="255960"/>
-          <a:ext cx="8353440" cy="4372920"/>
+          <a:ext cx="8353080" cy="4372560"/>
         </p:xfrm>
         <a:graphic>
           <a:graphicData uri="http://schemas.openxmlformats.org/drawingml/2006/table">
